--- a/Functional Programming for the Everyman.pptx
+++ b/Functional Programming for the Everyman.pptx
@@ -207,7 +207,7 @@
           <a:p>
             <a:fld id="{D27E1176-8037-491C-8E3C-7A93A5BB0C9B}" type="datetimeFigureOut">
               <a:rPr lang="en-AU" smtClean="0"/>
-              <a:t>3/09/2017</a:t>
+              <a:t>4/09/2017</a:t>
             </a:fld>
             <a:endParaRPr lang="en-AU"/>
           </a:p>
@@ -525,7 +525,7 @@
             </a:r>
             <a:r>
               <a:rPr lang="en-AU" baseline="0" dirty="0"/>
-              <a:t> name is Daniel Chambers and I work as a Senior Consultant for Readify. My twitter handle is up on the slide, so if you have questions or feedback, please feel free to tweet it to me.</a:t>
+              <a:t> name is Daniel Chambers and I work as a Senior Consultant for Readify. My roots are in C# and .NET, and I’ve worked on some projects in F# and for the last couple of years I’ve been shipping Haskell software to production. So you can tell I’m a bit of a functional programming nut!</a:t>
             </a:r>
             <a:endParaRPr lang="en-AU" dirty="0"/>
           </a:p>
@@ -739,11 +739,11 @@
           <a:p>
             <a:r>
               <a:rPr lang="en-AU" dirty="0"/>
-              <a:t>Out of all the talks</a:t>
+              <a:t>So you might be wondering if I’m here</a:t>
             </a:r>
             <a:r>
               <a:rPr lang="en-AU" baseline="0" dirty="0"/>
-              <a:t> I’ve done so far, my most popular one is my talk introducing F# to .NET programmers. I love F#, and I think more people in the .NET space should use it to write clean and </a:t>
+              <a:t> to espouse my love of Haskell. No; maybe one day, but not today. What about F#? I love F#, and I think more people in the .NET space should use it to write clean and </a:t>
             </a:r>
             <a:r>
               <a:rPr lang="en-AU" baseline="0" dirty="0" err="1"/>
@@ -760,7 +760,7 @@
           <a:p>
             <a:r>
               <a:rPr lang="en-AU" baseline="0" dirty="0"/>
-              <a:t>So you might be wondering why I’m doing a talk on functional programming in C# and JavaScript, instead of in F#. The reality is that, whilst people love the look of F#, most people can’t just jump ship off what they’re coding in right now; this means C# and JavaScript. We’ve got years of investment in these code bases, and we can’t just chuck all of that away. I think </a:t>
+              <a:t>What I’m actually going to talk to you about is functional programming in C# and JavaScript, instead of a language like F#. Why? The reality is that, whilst people love the look of F#, most people can’t just jump ship off what they’re coding in right now; this means C# and JavaScript. We’ve got years of investment in these code bases, and we can’t just chuck all of that away. I think </a:t>
             </a:r>
             <a:r>
               <a:rPr lang="en-AU" baseline="0" dirty="0" err="1"/>
@@ -1847,7 +1847,7 @@
           <a:p>
             <a:fld id="{5A069CB8-F204-4D06-B913-C5A26A89888A}" type="datetimeFigureOut">
               <a:rPr lang="en-US" dirty="0"/>
-              <a:t>9/3/2017</a:t>
+              <a:t>9/4/2017</a:t>
             </a:fld>
             <a:endParaRPr lang="en-US" dirty="0"/>
           </a:p>
@@ -2062,7 +2062,7 @@
           <a:p>
             <a:fld id="{50B6E300-0A13-4A81-945A-7333C271A069}" type="datetimeFigureOut">
               <a:rPr lang="en-US" dirty="0"/>
-              <a:t>9/3/2017</a:t>
+              <a:t>9/4/2017</a:t>
             </a:fld>
             <a:endParaRPr lang="en-US" dirty="0"/>
           </a:p>
@@ -2325,7 +2325,7 @@
           <a:p>
             <a:fld id="{34671962-1EA4-46E7-BCB0-F36CE46D1A59}" type="datetimeFigureOut">
               <a:rPr lang="en-US" dirty="0"/>
-              <a:t>9/3/2017</a:t>
+              <a:t>9/4/2017</a:t>
             </a:fld>
             <a:endParaRPr lang="en-US" dirty="0"/>
           </a:p>
@@ -2502,7 +2502,7 @@
           <a:p>
             <a:fld id="{D30BB376-B19C-488D-ABEB-03C7E6E9E3E0}" type="datetimeFigureOut">
               <a:rPr lang="en-US" dirty="0"/>
-              <a:t>9/3/2017</a:t>
+              <a:t>9/4/2017</a:t>
             </a:fld>
             <a:endParaRPr lang="en-US" dirty="0"/>
           </a:p>
@@ -2852,7 +2852,7 @@
           <a:p>
             <a:fld id="{486F077B-A50F-4D64-8574-E2D6A98A5553}" type="datetimeFigureOut">
               <a:rPr lang="en-US" dirty="0"/>
-              <a:t>9/3/2017</a:t>
+              <a:t>9/4/2017</a:t>
             </a:fld>
             <a:endParaRPr lang="en-US" dirty="0"/>
           </a:p>
@@ -3134,7 +3134,7 @@
           <a:p>
             <a:fld id="{7D9E2A62-1983-43A1-A163-D8AA46534C80}" type="datetimeFigureOut">
               <a:rPr lang="en-US" dirty="0"/>
-              <a:t>9/3/2017</a:t>
+              <a:t>9/4/2017</a:t>
             </a:fld>
             <a:endParaRPr lang="en-US" dirty="0"/>
           </a:p>
@@ -3520,7 +3520,7 @@
           <a:p>
             <a:fld id="{898F3E3B-34E3-4345-B2A1-994B83598A9C}" type="datetimeFigureOut">
               <a:rPr lang="en-US" dirty="0"/>
-              <a:t>9/3/2017</a:t>
+              <a:t>9/4/2017</a:t>
             </a:fld>
             <a:endParaRPr lang="en-US" dirty="0"/>
           </a:p>
@@ -3645,7 +3645,7 @@
           <a:p>
             <a:fld id="{FD816C96-82A1-4D77-8ADA-627AC6FE3D65}" type="datetimeFigureOut">
               <a:rPr lang="en-US" dirty="0"/>
-              <a:t>9/3/2017</a:t>
+              <a:t>9/4/2017</a:t>
             </a:fld>
             <a:endParaRPr lang="en-US" dirty="0"/>
           </a:p>
@@ -3823,7 +3823,7 @@
           <a:p>
             <a:fld id="{1D102C1E-28F2-47E9-802D-339E64E2F920}" type="datetimeFigureOut">
               <a:rPr lang="en-US" dirty="0"/>
-              <a:t>9/3/2017</a:t>
+              <a:t>9/4/2017</a:t>
             </a:fld>
             <a:endParaRPr lang="en-US" dirty="0"/>
           </a:p>
@@ -4185,7 +4185,7 @@
           <a:p>
             <a:fld id="{24271A48-F18A-45B3-BC05-1E27DA3F88AF}" type="datetimeFigureOut">
               <a:rPr lang="en-US" dirty="0"/>
-              <a:t>9/3/2017</a:t>
+              <a:t>9/4/2017</a:t>
             </a:fld>
             <a:endParaRPr lang="en-US" dirty="0"/>
           </a:p>
@@ -4570,7 +4570,7 @@
           <a:p>
             <a:fld id="{65B747F8-9654-4282-85D2-65F41AAE7A75}" type="datetimeFigureOut">
               <a:rPr lang="en-US" dirty="0"/>
-              <a:t>9/3/2017</a:t>
+              <a:t>9/4/2017</a:t>
             </a:fld>
             <a:endParaRPr lang="en-US" dirty="0"/>
           </a:p>
@@ -4864,7 +4864,7 @@
           <a:p>
             <a:fld id="{5DC5B261-8843-42D1-AAFC-05E20E2D9B97}" type="datetimeFigureOut">
               <a:rPr lang="en-US" dirty="0"/>
-              <a:t>9/3/2017</a:t>
+              <a:t>9/4/2017</a:t>
             </a:fld>
             <a:endParaRPr lang="en-US" dirty="0"/>
           </a:p>
@@ -6205,7 +6205,7 @@
           <a:graphicData uri="http://schemas.openxmlformats.org/presentationml/2006/ole">
             <mc:AlternateContent xmlns:mc="http://schemas.openxmlformats.org/markup-compatibility/2006">
               <mc:Choice xmlns:v="urn:schemas-microsoft-com:vml" Requires="v">
-                <p:oleObj spid="_x0000_s2075" name="Image" r:id="rId5" imgW="4964760" imgH="3009240" progId="Photoshop.Image.12">
+                <p:oleObj spid="_x0000_s2078" name="Image" r:id="rId5" imgW="4964760" imgH="3009240" progId="Photoshop.Image.12">
                   <p:embed/>
                 </p:oleObj>
               </mc:Choice>
